--- a/ethics/rawls/presentation.pptx
+++ b/ethics/rawls/presentation.pptx
@@ -20,6 +20,15 @@
     <p:sldId id="265" r:id="rId17"/>
     <p:sldId id="266" r:id="rId18"/>
     <p:sldId id="267" r:id="rId19"/>
+    <p:sldId id="268" r:id="rId20"/>
+    <p:sldId id="269" r:id="rId21"/>
+    <p:sldId id="270" r:id="rId22"/>
+    <p:sldId id="271" r:id="rId23"/>
+    <p:sldId id="272" r:id="rId24"/>
+    <p:sldId id="273" r:id="rId25"/>
+    <p:sldId id="274" r:id="rId26"/>
+    <p:sldId id="275" r:id="rId27"/>
+    <p:sldId id="276" r:id="rId28"/>
   </p:sldIdLst>
   <p:sldSz cx="24384000" cy="13716000"/>
   <p:notesSz cx="6858000" cy="9144000"/>
@@ -3037,9 +3046,308 @@
           <a:chExt cx="0" cy="0"/>
         </a:xfrm>
       </p:grpSpPr>
+      <p:sp>
+        <p:nvSpPr>
+          <p:cNvPr id="141" name="Just Social &amp; Political Institutions"/>
+          <p:cNvSpPr txBox="1"/>
+          <p:nvPr>
+            <p:ph type="title"/>
+          </p:nvPr>
+        </p:nvSpPr>
+        <p:spPr>
+          <a:prstGeom prst="rect">
+            <a:avLst/>
+          </a:prstGeom>
+        </p:spPr>
+        <p:txBody>
+          <a:bodyPr/>
+          <a:lstStyle/>
+          <a:p>
+            <a:pPr/>
+            <a:r>
+              <a:t>Just Social &amp; Political Institutions</a:t>
+            </a:r>
+          </a:p>
+        </p:txBody>
+      </p:sp>
+    </p:spTree>
+  </p:cSld>
+  <p:clrMapOvr>
+    <a:masterClrMapping/>
+  </p:clrMapOvr>
+  <p:transition xmlns:p14="http://schemas.microsoft.com/office/powerpoint/2010/main" spd="med" advClick="1"/>
+</p:sld>
+</file>
+
+<file path=ppt/slides/slide12.xml><?xml version="1.0" encoding="utf-8"?>
+<p:sld xmlns:a="http://schemas.openxmlformats.org/drawingml/2006/main" xmlns:r="http://schemas.openxmlformats.org/officeDocument/2006/relationships" xmlns:p="http://schemas.openxmlformats.org/presentationml/2006/main" xmlns:m="http://schemas.openxmlformats.org/officeDocument/2006/math" xmlns:a14="http://schemas.microsoft.com/office/drawing/2010/main" showMasterSp="1" showMasterPhAnim="1">
+  <p:cSld>
+    <p:spTree>
+      <p:nvGrpSpPr>
+        <p:cNvPr id="1" name=""/>
+        <p:cNvGrpSpPr/>
+        <p:nvPr/>
+      </p:nvGrpSpPr>
+      <p:grpSpPr>
+        <a:xfrm>
+          <a:off x="0" y="0"/>
+          <a:ext cx="0" cy="0"/>
+          <a:chOff x="0" y="0"/>
+          <a:chExt cx="0" cy="0"/>
+        </a:xfrm>
+      </p:grpSpPr>
+      <p:sp>
+        <p:nvSpPr>
+          <p:cNvPr id="143" name="What is Justice?"/>
+          <p:cNvSpPr txBox="1"/>
+          <p:nvPr>
+            <p:ph type="title"/>
+          </p:nvPr>
+        </p:nvSpPr>
+        <p:spPr>
+          <a:prstGeom prst="rect">
+            <a:avLst/>
+          </a:prstGeom>
+        </p:spPr>
+        <p:txBody>
+          <a:bodyPr/>
+          <a:lstStyle/>
+          <a:p>
+            <a:pPr/>
+            <a:r>
+              <a:t>What is Justice? </a:t>
+            </a:r>
+          </a:p>
+        </p:txBody>
+      </p:sp>
+      <p:sp>
+        <p:nvSpPr>
+          <p:cNvPr id="144" name="Justice as equality…"/>
+          <p:cNvSpPr txBox="1"/>
+          <p:nvPr>
+            <p:ph type="body" idx="1"/>
+          </p:nvPr>
+        </p:nvSpPr>
+        <p:spPr>
+          <a:prstGeom prst="rect">
+            <a:avLst/>
+          </a:prstGeom>
+        </p:spPr>
+        <p:txBody>
+          <a:bodyPr/>
+          <a:lstStyle/>
+          <a:p>
+            <a:pPr marL="927100" indent="-927100">
+              <a:buSzPct val="100000"/>
+              <a:buAutoNum type="arabicPeriod" startAt="1"/>
+            </a:pPr>
+            <a:r>
+              <a:t>Justice as equality</a:t>
+            </a:r>
+          </a:p>
+          <a:p>
+            <a:pPr marL="927100" indent="-927100">
+              <a:buSzPct val="100000"/>
+              <a:buAutoNum type="arabicPeriod" startAt="1"/>
+            </a:pPr>
+            <a:r>
+              <a:t>Justice as fairness </a:t>
+            </a:r>
+          </a:p>
+          <a:p>
+            <a:pPr marL="927100" indent="-927100">
+              <a:buSzPct val="100000"/>
+              <a:buAutoNum type="arabicPeriod" startAt="1"/>
+            </a:pPr>
+            <a:r>
+              <a:t>Justice as entitlement</a:t>
+            </a:r>
+          </a:p>
+        </p:txBody>
+      </p:sp>
+    </p:spTree>
+  </p:cSld>
+  <p:clrMapOvr>
+    <a:masterClrMapping/>
+  </p:clrMapOvr>
+  <p:transition xmlns:p14="http://schemas.microsoft.com/office/powerpoint/2010/main" spd="med" advClick="1"/>
+</p:sld>
+</file>
+
+<file path=ppt/slides/slide13.xml><?xml version="1.0" encoding="utf-8"?>
+<p:sld xmlns:a="http://schemas.openxmlformats.org/drawingml/2006/main" xmlns:r="http://schemas.openxmlformats.org/officeDocument/2006/relationships" xmlns:p="http://schemas.openxmlformats.org/presentationml/2006/main" xmlns:m="http://schemas.openxmlformats.org/officeDocument/2006/math" xmlns:a14="http://schemas.microsoft.com/office/drawing/2010/main" showMasterSp="1" showMasterPhAnim="1">
+  <p:cSld>
+    <p:spTree>
+      <p:nvGrpSpPr>
+        <p:cNvPr id="1" name=""/>
+        <p:cNvGrpSpPr/>
+        <p:nvPr/>
+      </p:nvGrpSpPr>
+      <p:grpSpPr>
+        <a:xfrm>
+          <a:off x="0" y="0"/>
+          <a:ext cx="0" cy="0"/>
+          <a:chOff x="0" y="0"/>
+          <a:chExt cx="0" cy="0"/>
+        </a:xfrm>
+      </p:grpSpPr>
+      <p:sp>
+        <p:nvSpPr>
+          <p:cNvPr id="146" name="Justice as Equality"/>
+          <p:cNvSpPr txBox="1"/>
+          <p:nvPr>
+            <p:ph type="title"/>
+          </p:nvPr>
+        </p:nvSpPr>
+        <p:spPr>
+          <a:prstGeom prst="rect">
+            <a:avLst/>
+          </a:prstGeom>
+        </p:spPr>
+        <p:txBody>
+          <a:bodyPr/>
+          <a:lstStyle/>
+          <a:p>
+            <a:pPr/>
+            <a:r>
+              <a:t>Justice as Equality</a:t>
+            </a:r>
+          </a:p>
+        </p:txBody>
+      </p:sp>
+      <p:sp>
+        <p:nvSpPr>
+          <p:cNvPr id="147" name="Equal basic liberties and opportunities including the opportunities for meaningful work, for self-determination, and political participation.…"/>
+          <p:cNvSpPr txBox="1"/>
+          <p:nvPr>
+            <p:ph type="body" idx="1"/>
+          </p:nvPr>
+        </p:nvSpPr>
+        <p:spPr>
+          <a:prstGeom prst="rect">
+            <a:avLst/>
+          </a:prstGeom>
+        </p:spPr>
+        <p:txBody>
+          <a:bodyPr/>
+          <a:lstStyle/>
+          <a:p>
+            <a:pPr/>
+            <a:r>
+              <a:t>Equal basic liberties and opportunities including the opportunities for meaningful work, for self-determination, and political participation.</a:t>
+            </a:r>
+          </a:p>
+          <a:p>
+            <a:pPr/>
+            <a:r>
+              <a:t>Income and wealth shall be so divided that each person will have a right to an equal share and for the burdens of society also to be equally shared, subject to limitations by differing abilities and differing situations.  </a:t>
+            </a:r>
+          </a:p>
+        </p:txBody>
+      </p:sp>
+    </p:spTree>
+  </p:cSld>
+  <p:clrMapOvr>
+    <a:masterClrMapping/>
+  </p:clrMapOvr>
+  <p:transition xmlns:p14="http://schemas.microsoft.com/office/powerpoint/2010/main" spd="med" advClick="1"/>
+</p:sld>
+</file>
+
+<file path=ppt/slides/slide14.xml><?xml version="1.0" encoding="utf-8"?>
+<p:sld xmlns:a="http://schemas.openxmlformats.org/drawingml/2006/main" xmlns:r="http://schemas.openxmlformats.org/officeDocument/2006/relationships" xmlns:p="http://schemas.openxmlformats.org/presentationml/2006/main" xmlns:m="http://schemas.openxmlformats.org/officeDocument/2006/math" xmlns:a14="http://schemas.microsoft.com/office/drawing/2010/main" showMasterSp="1" showMasterPhAnim="1">
+  <p:cSld>
+    <p:spTree>
+      <p:nvGrpSpPr>
+        <p:cNvPr id="1" name=""/>
+        <p:cNvGrpSpPr/>
+        <p:nvPr/>
+      </p:nvGrpSpPr>
+      <p:grpSpPr>
+        <a:xfrm>
+          <a:off x="0" y="0"/>
+          <a:ext cx="0" cy="0"/>
+          <a:chOff x="0" y="0"/>
+          <a:chExt cx="0" cy="0"/>
+        </a:xfrm>
+      </p:grpSpPr>
+      <p:sp>
+        <p:nvSpPr>
+          <p:cNvPr id="149" name="Justice as Fairness"/>
+          <p:cNvSpPr txBox="1"/>
+          <p:nvPr>
+            <p:ph type="ctrTitle"/>
+          </p:nvPr>
+        </p:nvSpPr>
+        <p:spPr>
+          <a:prstGeom prst="rect">
+            <a:avLst/>
+          </a:prstGeom>
+        </p:spPr>
+        <p:txBody>
+          <a:bodyPr/>
+          <a:lstStyle/>
+          <a:p>
+            <a:pPr/>
+            <a:r>
+              <a:t>Justice as Fairness</a:t>
+            </a:r>
+          </a:p>
+        </p:txBody>
+      </p:sp>
+      <p:sp>
+        <p:nvSpPr>
+          <p:cNvPr id="150" name="John Rawls (1921-2002)"/>
+          <p:cNvSpPr txBox="1"/>
+          <p:nvPr>
+            <p:ph type="subTitle" sz="quarter" idx="1"/>
+          </p:nvPr>
+        </p:nvSpPr>
+        <p:spPr>
+          <a:prstGeom prst="rect">
+            <a:avLst/>
+          </a:prstGeom>
+        </p:spPr>
+        <p:txBody>
+          <a:bodyPr/>
+          <a:lstStyle/>
+          <a:p>
+            <a:pPr/>
+            <a:r>
+              <a:t>John Rawls (1921-2002)</a:t>
+            </a:r>
+          </a:p>
+        </p:txBody>
+      </p:sp>
+    </p:spTree>
+  </p:cSld>
+  <p:clrMapOvr>
+    <a:masterClrMapping/>
+  </p:clrMapOvr>
+  <p:transition xmlns:p14="http://schemas.microsoft.com/office/powerpoint/2010/main" spd="med" advClick="1"/>
+</p:sld>
+</file>
+
+<file path=ppt/slides/slide15.xml><?xml version="1.0" encoding="utf-8"?>
+<p:sld xmlns:a="http://schemas.openxmlformats.org/drawingml/2006/main" xmlns:r="http://schemas.openxmlformats.org/officeDocument/2006/relationships" xmlns:p="http://schemas.openxmlformats.org/presentationml/2006/main" xmlns:m="http://schemas.openxmlformats.org/officeDocument/2006/math" xmlns:a14="http://schemas.microsoft.com/office/drawing/2010/main" showMasterSp="1" showMasterPhAnim="1">
+  <p:cSld>
+    <p:spTree>
+      <p:nvGrpSpPr>
+        <p:cNvPr id="1" name=""/>
+        <p:cNvGrpSpPr/>
+        <p:nvPr/>
+      </p:nvGrpSpPr>
+      <p:grpSpPr>
+        <a:xfrm>
+          <a:off x="0" y="0"/>
+          <a:ext cx="0" cy="0"/>
+          <a:chOff x="0" y="0"/>
+          <a:chExt cx="0" cy="0"/>
+        </a:xfrm>
+      </p:grpSpPr>
       <p:pic>
         <p:nvPicPr>
-          <p:cNvPr id="141" name="d6ba6-veilofignorance.jpg" descr="d6ba6-veilofignorance.jpg"/>
+          <p:cNvPr id="152" name="d6ba6-veilofignorance.jpg" descr="d6ba6-veilofignorance.jpg"/>
           <p:cNvPicPr>
             <a:picLocks noChangeAspect="1"/>
           </p:cNvPicPr>
@@ -3075,7 +3383,7 @@
 </p:sld>
 </file>
 
-<file path=ppt/slides/slide12.xml><?xml version="1.0" encoding="utf-8"?>
+<file path=ppt/slides/slide16.xml><?xml version="1.0" encoding="utf-8"?>
 <p:sld xmlns:a="http://schemas.openxmlformats.org/drawingml/2006/main" xmlns:r="http://schemas.openxmlformats.org/officeDocument/2006/relationships" xmlns:p="http://schemas.openxmlformats.org/presentationml/2006/main" xmlns:m="http://schemas.openxmlformats.org/officeDocument/2006/math" xmlns:a14="http://schemas.microsoft.com/office/drawing/2010/main" showMasterSp="1" showMasterPhAnim="1">
   <p:cSld>
     <p:spTree>
@@ -3094,7 +3402,798 @@
       </p:grpSpPr>
       <p:sp>
         <p:nvSpPr>
-          <p:cNvPr id="143" name="The Liberty Principle. Each person has an equal claim to a fully adequate scheme of equal basic rights and liberties, which scheme is compatible with the same scheme for all; and in this scheme the equal political liberties, and only those liberties, are"/>
+          <p:cNvPr id="154" name="Original Position"/>
+          <p:cNvSpPr txBox="1"/>
+          <p:nvPr>
+            <p:ph type="title"/>
+          </p:nvPr>
+        </p:nvSpPr>
+        <p:spPr>
+          <a:prstGeom prst="rect">
+            <a:avLst/>
+          </a:prstGeom>
+        </p:spPr>
+        <p:txBody>
+          <a:bodyPr/>
+          <a:lstStyle/>
+          <a:p>
+            <a:pPr/>
+            <a:r>
+              <a:t>Original Position</a:t>
+            </a:r>
+          </a:p>
+        </p:txBody>
+      </p:sp>
+      <p:sp>
+        <p:nvSpPr>
+          <p:cNvPr id="155" name="Suppose we ask agents to agree upon principles of justice we can use to create a just society, a society the agents will subsequently live within. If the agents are to do this fairly, they cannot create principles that will favor one agent over another. "/>
+          <p:cNvSpPr txBox="1"/>
+          <p:nvPr>
+            <p:ph type="body" idx="1"/>
+          </p:nvPr>
+        </p:nvSpPr>
+        <p:spPr>
+          <a:prstGeom prst="rect">
+            <a:avLst/>
+          </a:prstGeom>
+        </p:spPr>
+        <p:txBody>
+          <a:bodyPr/>
+          <a:lstStyle/>
+          <a:p>
+            <a:pPr marL="524255" indent="-524255" defTabSz="709930">
+              <a:spcBef>
+                <a:spcPts val="5000"/>
+              </a:spcBef>
+              <a:defRPr sz="4472"/>
+            </a:pPr>
+            <a:r>
+              <a:t>Suppose we ask agents to agree upon principles of justice we can use to create a just society, a society the agents will subsequently live within. If the agents are to do this fairly, they cannot create principles that will favor one agent over another. If we can agree upon fair conditions and fair considerations in deciding such principles, then the agreed upon principles will be fair and Rawls claims just. These three conditions require the agents be:   </a:t>
+            </a:r>
+          </a:p>
+          <a:p>
+            <a:pPr marL="797306" indent="-797306" defTabSz="709930">
+              <a:spcBef>
+                <a:spcPts val="5000"/>
+              </a:spcBef>
+              <a:buSzPct val="100000"/>
+              <a:buAutoNum type="arabicPeriod" startAt="1"/>
+              <a:defRPr sz="4472"/>
+            </a:pPr>
+            <a:r>
+              <a:t>Free</a:t>
+            </a:r>
+          </a:p>
+          <a:p>
+            <a:pPr marL="797306" indent="-797306" defTabSz="709930">
+              <a:spcBef>
+                <a:spcPts val="5000"/>
+              </a:spcBef>
+              <a:buSzPct val="100000"/>
+              <a:buAutoNum type="arabicPeriod" startAt="1"/>
+              <a:defRPr sz="4472"/>
+            </a:pPr>
+            <a:r>
+              <a:t>Mutually disinterested—they care only about their own interest and won’t aim to harm others. </a:t>
+            </a:r>
+          </a:p>
+          <a:p>
+            <a:pPr marL="797306" indent="-797306" defTabSz="709930">
+              <a:spcBef>
+                <a:spcPts val="5000"/>
+              </a:spcBef>
+              <a:buSzPct val="100000"/>
+              <a:buAutoNum type="arabicPeriod" startAt="1"/>
+              <a:defRPr sz="4472"/>
+            </a:pPr>
+            <a:r>
+              <a:t>Rational</a:t>
+            </a:r>
+          </a:p>
+        </p:txBody>
+      </p:sp>
+    </p:spTree>
+  </p:cSld>
+  <p:clrMapOvr>
+    <a:masterClrMapping/>
+  </p:clrMapOvr>
+  <p:transition xmlns:p14="http://schemas.microsoft.com/office/powerpoint/2010/main" spd="med" advClick="1"/>
+</p:sld>
+</file>
+
+<file path=ppt/slides/slide17.xml><?xml version="1.0" encoding="utf-8"?>
+<p:sld xmlns:a="http://schemas.openxmlformats.org/drawingml/2006/main" xmlns:r="http://schemas.openxmlformats.org/officeDocument/2006/relationships" xmlns:p="http://schemas.openxmlformats.org/presentationml/2006/main" xmlns:m="http://schemas.openxmlformats.org/officeDocument/2006/math" xmlns:a14="http://schemas.microsoft.com/office/drawing/2010/main" showMasterSp="1" showMasterPhAnim="1">
+  <p:cSld>
+    <p:spTree>
+      <p:nvGrpSpPr>
+        <p:cNvPr id="1" name=""/>
+        <p:cNvGrpSpPr/>
+        <p:nvPr/>
+      </p:nvGrpSpPr>
+      <p:grpSpPr>
+        <a:xfrm>
+          <a:off x="0" y="0"/>
+          <a:ext cx="0" cy="0"/>
+          <a:chOff x="0" y="0"/>
+          <a:chExt cx="0" cy="0"/>
+        </a:xfrm>
+      </p:grpSpPr>
+      <p:sp>
+        <p:nvSpPr>
+          <p:cNvPr id="157" name="The Veil of Ignorance"/>
+          <p:cNvSpPr txBox="1"/>
+          <p:nvPr>
+            <p:ph type="title"/>
+          </p:nvPr>
+        </p:nvSpPr>
+        <p:spPr>
+          <a:prstGeom prst="rect">
+            <a:avLst/>
+          </a:prstGeom>
+        </p:spPr>
+        <p:txBody>
+          <a:bodyPr/>
+          <a:lstStyle/>
+          <a:p>
+            <a:pPr/>
+            <a:r>
+              <a:t>The Veil of Ignorance</a:t>
+            </a:r>
+          </a:p>
+        </p:txBody>
+      </p:sp>
+      <p:graphicFrame>
+        <p:nvGraphicFramePr>
+          <p:cNvPr id="158" name="Table"/>
+          <p:cNvGraphicFramePr/>
+          <p:nvPr/>
+        </p:nvGraphicFramePr>
+        <p:xfrm>
+          <a:off x="2387600" y="3898900"/>
+          <a:ext cx="19621500" cy="8039100"/>
+        </p:xfrm>
+        <a:graphic xmlns:a="http://schemas.openxmlformats.org/drawingml/2006/main">
+          <a:graphicData uri="http://schemas.openxmlformats.org/drawingml/2006/table">
+            <a:tbl>
+              <a:tblPr firstCol="0" firstRow="1" lastCol="0" lastRow="0" bandCol="0" bandRow="0" rtl="0">
+                <a:tableStyleId>{4C3C2611-4C71-4FC5-86AE-919BDF0F9419}</a:tableStyleId>
+              </a:tblPr>
+              <a:tblGrid>
+                <a:gridCol w="6536267"/>
+                <a:gridCol w="6536267"/>
+                <a:gridCol w="6536267"/>
+              </a:tblGrid>
+              <a:tr h="876300">
+                <a:tc>
+                  <a:txBody>
+                    <a:bodyPr/>
+                    <a:lstStyle/>
+                    <a:p>
+                      <a:pPr defTabSz="914400">
+                        <a:defRPr sz="1800">
+                          <a:solidFill>
+                            <a:srgbClr val="000000"/>
+                          </a:solidFill>
+                        </a:defRPr>
+                      </a:pPr>
+                      <a:r>
+                        <a:rPr sz="5000">
+                          <a:solidFill>
+                            <a:srgbClr val="FFFFFF"/>
+                          </a:solidFill>
+                        </a:rPr>
+                        <a:t>Agents don’t know</a:t>
+                      </a:r>
+                    </a:p>
+                  </a:txBody>
+                  <a:tcPr marL="50800" marR="50800" marT="50800" marB="50800" anchor="ctr" anchorCtr="0" horzOverflow="overflow"/>
+                </a:tc>
+                <a:tc>
+                  <a:txBody>
+                    <a:bodyPr/>
+                    <a:lstStyle/>
+                    <a:p>
+                      <a:pPr defTabSz="914400">
+                        <a:defRPr sz="5000"/>
+                      </a:pPr>
+                    </a:p>
+                  </a:txBody>
+                  <a:tcPr marL="50800" marR="50800" marT="50800" marB="50800" anchor="ctr" anchorCtr="0" horzOverflow="overflow"/>
+                </a:tc>
+                <a:tc>
+                  <a:txBody>
+                    <a:bodyPr/>
+                    <a:lstStyle/>
+                    <a:p>
+                      <a:pPr defTabSz="914400">
+                        <a:defRPr sz="1800">
+                          <a:solidFill>
+                            <a:srgbClr val="000000"/>
+                          </a:solidFill>
+                        </a:defRPr>
+                      </a:pPr>
+                      <a:r>
+                        <a:rPr sz="5000">
+                          <a:solidFill>
+                            <a:srgbClr val="FFFFFF"/>
+                          </a:solidFill>
+                        </a:rPr>
+                        <a:t>Agents do know</a:t>
+                      </a:r>
+                    </a:p>
+                  </a:txBody>
+                  <a:tcPr marL="50800" marR="50800" marT="50800" marB="50800" anchor="ctr" anchorCtr="0" horzOverflow="overflow"/>
+                </a:tc>
+              </a:tr>
+              <a:tr h="876300">
+                <a:tc>
+                  <a:txBody>
+                    <a:bodyPr/>
+                    <a:lstStyle/>
+                    <a:p>
+                      <a:pPr defTabSz="914400">
+                        <a:defRPr sz="1800">
+                          <a:solidFill>
+                            <a:srgbClr val="000000"/>
+                          </a:solidFill>
+                        </a:defRPr>
+                      </a:pPr>
+                      <a:r>
+                        <a:rPr sz="5000">
+                          <a:solidFill>
+                            <a:srgbClr val="FFFFFF"/>
+                          </a:solidFill>
+                        </a:rPr>
+                        <a:t>Age</a:t>
+                      </a:r>
+                    </a:p>
+                  </a:txBody>
+                  <a:tcPr marL="50800" marR="50800" marT="50800" marB="50800" anchor="ctr" anchorCtr="0" horzOverflow="overflow"/>
+                </a:tc>
+                <a:tc>
+                  <a:txBody>
+                    <a:bodyPr/>
+                    <a:lstStyle/>
+                    <a:p>
+                      <a:pPr defTabSz="914400">
+                        <a:defRPr sz="5000"/>
+                      </a:pPr>
+                    </a:p>
+                  </a:txBody>
+                  <a:tcPr marL="50800" marR="50800" marT="50800" marB="50800" anchor="ctr" anchorCtr="0" horzOverflow="overflow"/>
+                </a:tc>
+                <a:tc>
+                  <a:txBody>
+                    <a:bodyPr/>
+                    <a:lstStyle/>
+                    <a:p>
+                      <a:pPr defTabSz="914400">
+                        <a:defRPr sz="1800">
+                          <a:solidFill>
+                            <a:srgbClr val="000000"/>
+                          </a:solidFill>
+                        </a:defRPr>
+                      </a:pPr>
+                      <a:r>
+                        <a:rPr sz="5000">
+                          <a:solidFill>
+                            <a:srgbClr val="FFFFFF"/>
+                          </a:solidFill>
+                        </a:rPr>
+                        <a:t>Biological facts</a:t>
+                      </a:r>
+                    </a:p>
+                  </a:txBody>
+                  <a:tcPr marL="50800" marR="50800" marT="50800" marB="50800" anchor="ctr" anchorCtr="0" horzOverflow="overflow"/>
+                </a:tc>
+              </a:tr>
+              <a:tr h="876300">
+                <a:tc>
+                  <a:txBody>
+                    <a:bodyPr/>
+                    <a:lstStyle/>
+                    <a:p>
+                      <a:pPr defTabSz="914400">
+                        <a:defRPr sz="1800">
+                          <a:solidFill>
+                            <a:srgbClr val="000000"/>
+                          </a:solidFill>
+                        </a:defRPr>
+                      </a:pPr>
+                      <a:r>
+                        <a:rPr sz="5000">
+                          <a:solidFill>
+                            <a:srgbClr val="FFFFFF"/>
+                          </a:solidFill>
+                        </a:rPr>
+                        <a:t>Gender</a:t>
+                      </a:r>
+                    </a:p>
+                  </a:txBody>
+                  <a:tcPr marL="50800" marR="50800" marT="50800" marB="50800" anchor="ctr" anchorCtr="0" horzOverflow="overflow"/>
+                </a:tc>
+                <a:tc>
+                  <a:txBody>
+                    <a:bodyPr/>
+                    <a:lstStyle/>
+                    <a:p>
+                      <a:pPr defTabSz="914400">
+                        <a:defRPr sz="5000"/>
+                      </a:pPr>
+                    </a:p>
+                  </a:txBody>
+                  <a:tcPr marL="50800" marR="50800" marT="50800" marB="50800" anchor="ctr" anchorCtr="0" horzOverflow="overflow"/>
+                </a:tc>
+                <a:tc>
+                  <a:txBody>
+                    <a:bodyPr/>
+                    <a:lstStyle/>
+                    <a:p>
+                      <a:pPr defTabSz="914400">
+                        <a:defRPr sz="1800">
+                          <a:solidFill>
+                            <a:srgbClr val="000000"/>
+                          </a:solidFill>
+                        </a:defRPr>
+                      </a:pPr>
+                      <a:r>
+                        <a:rPr sz="5000">
+                          <a:solidFill>
+                            <a:srgbClr val="FFFFFF"/>
+                          </a:solidFill>
+                        </a:rPr>
+                        <a:t>Psychological facts</a:t>
+                      </a:r>
+                    </a:p>
+                  </a:txBody>
+                  <a:tcPr marL="50800" marR="50800" marT="50800" marB="50800" anchor="ctr" anchorCtr="0" horzOverflow="overflow"/>
+                </a:tc>
+              </a:tr>
+              <a:tr h="876300">
+                <a:tc>
+                  <a:txBody>
+                    <a:bodyPr/>
+                    <a:lstStyle/>
+                    <a:p>
+                      <a:pPr defTabSz="914400">
+                        <a:defRPr sz="1800">
+                          <a:solidFill>
+                            <a:srgbClr val="000000"/>
+                          </a:solidFill>
+                        </a:defRPr>
+                      </a:pPr>
+                      <a:r>
+                        <a:rPr sz="5000">
+                          <a:solidFill>
+                            <a:srgbClr val="FFFFFF"/>
+                          </a:solidFill>
+                        </a:rPr>
+                        <a:t>Ethnicity</a:t>
+                      </a:r>
+                    </a:p>
+                  </a:txBody>
+                  <a:tcPr marL="50800" marR="50800" marT="50800" marB="50800" anchor="ctr" anchorCtr="0" horzOverflow="overflow"/>
+                </a:tc>
+                <a:tc>
+                  <a:txBody>
+                    <a:bodyPr/>
+                    <a:lstStyle/>
+                    <a:p>
+                      <a:pPr defTabSz="914400">
+                        <a:defRPr sz="5000"/>
+                      </a:pPr>
+                    </a:p>
+                  </a:txBody>
+                  <a:tcPr marL="50800" marR="50800" marT="50800" marB="50800" anchor="ctr" anchorCtr="0" horzOverflow="overflow"/>
+                </a:tc>
+                <a:tc>
+                  <a:txBody>
+                    <a:bodyPr/>
+                    <a:lstStyle/>
+                    <a:p>
+                      <a:pPr defTabSz="914400">
+                        <a:defRPr sz="1800">
+                          <a:solidFill>
+                            <a:srgbClr val="000000"/>
+                          </a:solidFill>
+                        </a:defRPr>
+                      </a:pPr>
+                      <a:r>
+                        <a:rPr sz="5000">
+                          <a:solidFill>
+                            <a:srgbClr val="FFFFFF"/>
+                          </a:solidFill>
+                        </a:rPr>
+                        <a:t>Sociological facts</a:t>
+                      </a:r>
+                    </a:p>
+                  </a:txBody>
+                  <a:tcPr marL="50800" marR="50800" marT="50800" marB="50800" anchor="ctr" anchorCtr="0" horzOverflow="overflow"/>
+                </a:tc>
+              </a:tr>
+              <a:tr h="876300">
+                <a:tc>
+                  <a:txBody>
+                    <a:bodyPr/>
+                    <a:lstStyle/>
+                    <a:p>
+                      <a:pPr defTabSz="914400">
+                        <a:defRPr sz="1800">
+                          <a:solidFill>
+                            <a:srgbClr val="000000"/>
+                          </a:solidFill>
+                        </a:defRPr>
+                      </a:pPr>
+                      <a:r>
+                        <a:rPr sz="5000">
+                          <a:solidFill>
+                            <a:srgbClr val="FFFFFF"/>
+                          </a:solidFill>
+                        </a:rPr>
+                        <a:t>Handicaps</a:t>
+                      </a:r>
+                    </a:p>
+                  </a:txBody>
+                  <a:tcPr marL="50800" marR="50800" marT="50800" marB="50800" anchor="ctr" anchorCtr="0" horzOverflow="overflow"/>
+                </a:tc>
+                <a:tc>
+                  <a:txBody>
+                    <a:bodyPr/>
+                    <a:lstStyle/>
+                    <a:p>
+                      <a:pPr defTabSz="914400">
+                        <a:defRPr sz="5000"/>
+                      </a:pPr>
+                    </a:p>
+                  </a:txBody>
+                  <a:tcPr marL="50800" marR="50800" marT="50800" marB="50800" anchor="ctr" anchorCtr="0" horzOverflow="overflow"/>
+                </a:tc>
+                <a:tc>
+                  <a:txBody>
+                    <a:bodyPr/>
+                    <a:lstStyle/>
+                    <a:p>
+                      <a:pPr defTabSz="914400">
+                        <a:defRPr sz="5000"/>
+                      </a:pPr>
+                    </a:p>
+                  </a:txBody>
+                  <a:tcPr marL="50800" marR="50800" marT="50800" marB="50800" anchor="ctr" anchorCtr="0" horzOverflow="overflow"/>
+                </a:tc>
+              </a:tr>
+              <a:tr h="876300">
+                <a:tc>
+                  <a:txBody>
+                    <a:bodyPr/>
+                    <a:lstStyle/>
+                    <a:p>
+                      <a:pPr defTabSz="914400">
+                        <a:defRPr sz="1800">
+                          <a:solidFill>
+                            <a:srgbClr val="000000"/>
+                          </a:solidFill>
+                        </a:defRPr>
+                      </a:pPr>
+                      <a:r>
+                        <a:rPr sz="5000">
+                          <a:solidFill>
+                            <a:srgbClr val="FFFFFF"/>
+                          </a:solidFill>
+                        </a:rPr>
+                        <a:t>Intelligence</a:t>
+                      </a:r>
+                    </a:p>
+                  </a:txBody>
+                  <a:tcPr marL="50800" marR="50800" marT="50800" marB="50800" anchor="ctr" anchorCtr="0" horzOverflow="overflow"/>
+                </a:tc>
+                <a:tc>
+                  <a:txBody>
+                    <a:bodyPr/>
+                    <a:lstStyle/>
+                    <a:p>
+                      <a:pPr defTabSz="914400">
+                        <a:defRPr sz="5000"/>
+                      </a:pPr>
+                    </a:p>
+                  </a:txBody>
+                  <a:tcPr marL="50800" marR="50800" marT="50800" marB="50800" anchor="ctr" anchorCtr="0" horzOverflow="overflow"/>
+                </a:tc>
+                <a:tc>
+                  <a:txBody>
+                    <a:bodyPr/>
+                    <a:lstStyle/>
+                    <a:p>
+                      <a:pPr defTabSz="914400">
+                        <a:defRPr sz="5000"/>
+                      </a:pPr>
+                    </a:p>
+                  </a:txBody>
+                  <a:tcPr marL="50800" marR="50800" marT="50800" marB="50800" anchor="ctr" anchorCtr="0" horzOverflow="overflow"/>
+                </a:tc>
+              </a:tr>
+              <a:tr h="876300">
+                <a:tc>
+                  <a:txBody>
+                    <a:bodyPr/>
+                    <a:lstStyle/>
+                    <a:p>
+                      <a:pPr defTabSz="914400">
+                        <a:defRPr sz="1800">
+                          <a:solidFill>
+                            <a:srgbClr val="000000"/>
+                          </a:solidFill>
+                        </a:defRPr>
+                      </a:pPr>
+                      <a:r>
+                        <a:rPr sz="5000">
+                          <a:solidFill>
+                            <a:srgbClr val="FFFFFF"/>
+                          </a:solidFill>
+                        </a:rPr>
+                        <a:t>Race</a:t>
+                      </a:r>
+                    </a:p>
+                  </a:txBody>
+                  <a:tcPr marL="50800" marR="50800" marT="50800" marB="50800" anchor="ctr" anchorCtr="0" horzOverflow="overflow"/>
+                </a:tc>
+                <a:tc>
+                  <a:txBody>
+                    <a:bodyPr/>
+                    <a:lstStyle/>
+                    <a:p>
+                      <a:pPr defTabSz="914400">
+                        <a:defRPr sz="5000"/>
+                      </a:pPr>
+                    </a:p>
+                  </a:txBody>
+                  <a:tcPr marL="50800" marR="50800" marT="50800" marB="50800" anchor="ctr" anchorCtr="0" horzOverflow="overflow"/>
+                </a:tc>
+                <a:tc>
+                  <a:txBody>
+                    <a:bodyPr/>
+                    <a:lstStyle/>
+                    <a:p>
+                      <a:pPr defTabSz="914400">
+                        <a:defRPr sz="5000"/>
+                      </a:pPr>
+                    </a:p>
+                  </a:txBody>
+                  <a:tcPr marL="50800" marR="50800" marT="50800" marB="50800" anchor="ctr" anchorCtr="0" horzOverflow="overflow"/>
+                </a:tc>
+              </a:tr>
+              <a:tr h="876300">
+                <a:tc>
+                  <a:txBody>
+                    <a:bodyPr/>
+                    <a:lstStyle/>
+                    <a:p>
+                      <a:pPr defTabSz="914400">
+                        <a:defRPr sz="1800">
+                          <a:solidFill>
+                            <a:srgbClr val="000000"/>
+                          </a:solidFill>
+                        </a:defRPr>
+                      </a:pPr>
+                      <a:r>
+                        <a:rPr sz="5000">
+                          <a:solidFill>
+                            <a:srgbClr val="FFFFFF"/>
+                          </a:solidFill>
+                        </a:rPr>
+                        <a:t>Talents</a:t>
+                      </a:r>
+                    </a:p>
+                  </a:txBody>
+                  <a:tcPr marL="50800" marR="50800" marT="50800" marB="50800" anchor="ctr" anchorCtr="0" horzOverflow="overflow"/>
+                </a:tc>
+                <a:tc>
+                  <a:txBody>
+                    <a:bodyPr/>
+                    <a:lstStyle/>
+                    <a:p>
+                      <a:pPr defTabSz="914400">
+                        <a:defRPr sz="5000"/>
+                      </a:pPr>
+                    </a:p>
+                  </a:txBody>
+                  <a:tcPr marL="50800" marR="50800" marT="50800" marB="50800" anchor="ctr" anchorCtr="0" horzOverflow="overflow"/>
+                </a:tc>
+                <a:tc>
+                  <a:txBody>
+                    <a:bodyPr/>
+                    <a:lstStyle/>
+                    <a:p>
+                      <a:pPr defTabSz="914400">
+                        <a:defRPr sz="5000"/>
+                      </a:pPr>
+                    </a:p>
+                  </a:txBody>
+                  <a:tcPr marL="50800" marR="50800" marT="50800" marB="50800" anchor="ctr" anchorCtr="0" horzOverflow="overflow"/>
+                </a:tc>
+              </a:tr>
+              <a:tr h="876300">
+                <a:tc>
+                  <a:txBody>
+                    <a:bodyPr/>
+                    <a:lstStyle/>
+                    <a:p>
+                      <a:pPr defTabSz="914400">
+                        <a:defRPr sz="1800">
+                          <a:solidFill>
+                            <a:srgbClr val="000000"/>
+                          </a:solidFill>
+                        </a:defRPr>
+                      </a:pPr>
+                      <a:r>
+                        <a:rPr sz="5000">
+                          <a:solidFill>
+                            <a:srgbClr val="FFFFFF"/>
+                          </a:solidFill>
+                        </a:rPr>
+                        <a:t>Social standing</a:t>
+                      </a:r>
+                    </a:p>
+                  </a:txBody>
+                  <a:tcPr marL="50800" marR="50800" marT="50800" marB="50800" anchor="ctr" anchorCtr="0" horzOverflow="overflow"/>
+                </a:tc>
+                <a:tc>
+                  <a:txBody>
+                    <a:bodyPr/>
+                    <a:lstStyle/>
+                    <a:p>
+                      <a:pPr defTabSz="914400">
+                        <a:defRPr sz="5000"/>
+                      </a:pPr>
+                    </a:p>
+                  </a:txBody>
+                  <a:tcPr marL="50800" marR="50800" marT="50800" marB="50800" anchor="ctr" anchorCtr="0" horzOverflow="overflow"/>
+                </a:tc>
+                <a:tc>
+                  <a:txBody>
+                    <a:bodyPr/>
+                    <a:lstStyle/>
+                    <a:p>
+                      <a:pPr defTabSz="914400">
+                        <a:defRPr sz="5000"/>
+                      </a:pPr>
+                    </a:p>
+                  </a:txBody>
+                  <a:tcPr marL="50800" marR="50800" marT="50800" marB="50800" anchor="ctr" anchorCtr="0" horzOverflow="overflow"/>
+                </a:tc>
+              </a:tr>
+              <a:tr h="876300">
+                <a:tc>
+                  <a:txBody>
+                    <a:bodyPr/>
+                    <a:lstStyle/>
+                    <a:p>
+                      <a:pPr defTabSz="914400">
+                        <a:defRPr sz="1800">
+                          <a:solidFill>
+                            <a:srgbClr val="000000"/>
+                          </a:solidFill>
+                        </a:defRPr>
+                      </a:pPr>
+                      <a:r>
+                        <a:rPr sz="5000">
+                          <a:solidFill>
+                            <a:srgbClr val="FFFFFF"/>
+                          </a:solidFill>
+                        </a:rPr>
+                        <a:t>Values</a:t>
+                      </a:r>
+                    </a:p>
+                  </a:txBody>
+                  <a:tcPr marL="50800" marR="50800" marT="50800" marB="50800" anchor="ctr" anchorCtr="0" horzOverflow="overflow"/>
+                </a:tc>
+                <a:tc>
+                  <a:txBody>
+                    <a:bodyPr/>
+                    <a:lstStyle/>
+                    <a:p>
+                      <a:pPr defTabSz="914400">
+                        <a:defRPr sz="5000"/>
+                      </a:pPr>
+                    </a:p>
+                  </a:txBody>
+                  <a:tcPr marL="50800" marR="50800" marT="50800" marB="50800" anchor="ctr" anchorCtr="0" horzOverflow="overflow"/>
+                </a:tc>
+                <a:tc>
+                  <a:txBody>
+                    <a:bodyPr/>
+                    <a:lstStyle/>
+                    <a:p>
+                      <a:pPr defTabSz="914400">
+                        <a:defRPr sz="5000"/>
+                      </a:pPr>
+                    </a:p>
+                  </a:txBody>
+                  <a:tcPr marL="50800" marR="50800" marT="50800" marB="50800" anchor="ctr" anchorCtr="0" horzOverflow="overflow"/>
+                </a:tc>
+              </a:tr>
+              <a:tr h="876300">
+                <a:tc>
+                  <a:txBody>
+                    <a:bodyPr/>
+                    <a:lstStyle/>
+                    <a:p>
+                      <a:pPr defTabSz="914400">
+                        <a:defRPr sz="1800">
+                          <a:solidFill>
+                            <a:srgbClr val="000000"/>
+                          </a:solidFill>
+                        </a:defRPr>
+                      </a:pPr>
+                      <a:r>
+                        <a:rPr sz="5000">
+                          <a:solidFill>
+                            <a:srgbClr val="FFFFFF"/>
+                          </a:solidFill>
+                        </a:rPr>
+                        <a:t>Wealth</a:t>
+                      </a:r>
+                    </a:p>
+                  </a:txBody>
+                  <a:tcPr marL="50800" marR="50800" marT="50800" marB="50800" anchor="ctr" anchorCtr="0" horzOverflow="overflow"/>
+                </a:tc>
+                <a:tc>
+                  <a:txBody>
+                    <a:bodyPr/>
+                    <a:lstStyle/>
+                    <a:p>
+                      <a:pPr defTabSz="914400">
+                        <a:defRPr sz="5000"/>
+                      </a:pPr>
+                    </a:p>
+                  </a:txBody>
+                  <a:tcPr marL="50800" marR="50800" marT="50800" marB="50800" anchor="ctr" anchorCtr="0" horzOverflow="overflow"/>
+                </a:tc>
+                <a:tc>
+                  <a:txBody>
+                    <a:bodyPr/>
+                    <a:lstStyle/>
+                    <a:p>
+                      <a:pPr defTabSz="914400">
+                        <a:defRPr sz="5000"/>
+                      </a:pPr>
+                    </a:p>
+                  </a:txBody>
+                  <a:tcPr marL="50800" marR="50800" marT="50800" marB="50800" anchor="ctr" anchorCtr="0" horzOverflow="overflow"/>
+                </a:tc>
+              </a:tr>
+            </a:tbl>
+          </a:graphicData>
+        </a:graphic>
+      </p:graphicFrame>
+    </p:spTree>
+  </p:cSld>
+  <p:clrMapOvr>
+    <a:masterClrMapping/>
+  </p:clrMapOvr>
+  <p:transition xmlns:p14="http://schemas.microsoft.com/office/powerpoint/2010/main" spd="med" advClick="1"/>
+</p:sld>
+</file>
+
+<file path=ppt/slides/slide18.xml><?xml version="1.0" encoding="utf-8"?>
+<p:sld xmlns:a="http://schemas.openxmlformats.org/drawingml/2006/main" xmlns:r="http://schemas.openxmlformats.org/officeDocument/2006/relationships" xmlns:p="http://schemas.openxmlformats.org/presentationml/2006/main" xmlns:m="http://schemas.openxmlformats.org/officeDocument/2006/math" xmlns:a14="http://schemas.microsoft.com/office/drawing/2010/main" showMasterSp="1" showMasterPhAnim="1">
+  <p:cSld>
+    <p:spTree>
+      <p:nvGrpSpPr>
+        <p:cNvPr id="1" name=""/>
+        <p:cNvGrpSpPr/>
+        <p:nvPr/>
+      </p:nvGrpSpPr>
+      <p:grpSpPr>
+        <a:xfrm>
+          <a:off x="0" y="0"/>
+          <a:ext cx="0" cy="0"/>
+          <a:chOff x="0" y="0"/>
+          <a:chExt cx="0" cy="0"/>
+        </a:xfrm>
+      </p:grpSpPr>
+      <p:sp>
+        <p:nvSpPr>
+          <p:cNvPr id="160" name="The Liberty Principle. Each person has an equal claim to a fully adequate scheme of equal basic rights and liberties, which scheme is compatible with the same scheme for all; and in this scheme the equal political liberties, and only those liberties, are"/>
           <p:cNvSpPr txBox="1"/>
           <p:nvPr>
             <p:ph type="body" idx="1"/>
@@ -3220,7 +4319,7 @@
                                       <p:cBhvr>
                                         <p:cTn id="6" fill="hold"/>
                                         <p:tgtEl>
-                                          <p:spTgt spid="143">
+                                          <p:spTgt spid="160">
                                             <p:bg/>
                                           </p:spTgt>
                                         </p:tgtEl>
@@ -3248,7 +4347,7 @@
                                       <p:cBhvr>
                                         <p:cTn id="8" fill="hold"/>
                                         <p:tgtEl>
-                                          <p:spTgt spid="143">
+                                          <p:spTgt spid="160">
                                             <p:txEl>
                                               <p:pRg st="0" end="0"/>
                                             </p:txEl>
@@ -3296,7 +4395,7 @@
                                       <p:cBhvr>
                                         <p:cTn id="12" fill="hold"/>
                                         <p:tgtEl>
-                                          <p:spTgt spid="143">
+                                          <p:spTgt spid="160">
                                             <p:txEl>
                                               <p:pRg st="1" end="1"/>
                                             </p:txEl>
@@ -3344,7 +4443,7 @@
                                       <p:cBhvr>
                                         <p:cTn id="16" fill="hold"/>
                                         <p:tgtEl>
-                                          <p:spTgt spid="143">
+                                          <p:spTgt spid="160">
                                             <p:txEl>
                                               <p:pRg st="2" end="2"/>
                                             </p:txEl>
@@ -3392,7 +4491,7 @@
                                       <p:cBhvr>
                                         <p:cTn id="20" fill="hold"/>
                                         <p:tgtEl>
-                                          <p:spTgt spid="143">
+                                          <p:spTgt spid="160">
                                             <p:txEl>
                                               <p:pRg st="3" end="3"/>
                                             </p:txEl>
@@ -3437,9 +4536,110 @@
       </p:par>
     </p:tnLst>
     <p:bldLst>
-      <p:bldP build="p" bldLvl="5" animBg="1" rev="0" advAuto="0" spid="143" grpId="1"/>
+      <p:bldP build="p" bldLvl="5" animBg="1" rev="0" advAuto="0" spid="160" grpId="1"/>
     </p:bldLst>
   </p:timing>
+</p:sld>
+</file>
+
+<file path=ppt/slides/slide19.xml><?xml version="1.0" encoding="utf-8"?>
+<p:sld xmlns:a="http://schemas.openxmlformats.org/drawingml/2006/main" xmlns:r="http://schemas.openxmlformats.org/officeDocument/2006/relationships" xmlns:p="http://schemas.openxmlformats.org/presentationml/2006/main" xmlns:m="http://schemas.openxmlformats.org/officeDocument/2006/math" xmlns:a14="http://schemas.microsoft.com/office/drawing/2010/main" showMasterSp="1" showMasterPhAnim="1">
+  <p:cSld>
+    <p:spTree>
+      <p:nvGrpSpPr>
+        <p:cNvPr id="1" name=""/>
+        <p:cNvGrpSpPr/>
+        <p:nvPr/>
+      </p:nvGrpSpPr>
+      <p:grpSpPr>
+        <a:xfrm>
+          <a:off x="0" y="0"/>
+          <a:ext cx="0" cy="0"/>
+          <a:chOff x="0" y="0"/>
+          <a:chExt cx="0" cy="0"/>
+        </a:xfrm>
+      </p:grpSpPr>
+      <p:sp>
+        <p:nvSpPr>
+          <p:cNvPr id="162" name="Difference Principle &amp; Vaccines"/>
+          <p:cNvSpPr txBox="1"/>
+          <p:nvPr>
+            <p:ph type="title"/>
+          </p:nvPr>
+        </p:nvSpPr>
+        <p:spPr>
+          <a:prstGeom prst="rect">
+            <a:avLst/>
+          </a:prstGeom>
+        </p:spPr>
+        <p:txBody>
+          <a:bodyPr/>
+          <a:lstStyle/>
+          <a:p>
+            <a:pPr/>
+            <a:r>
+              <a:t>Difference Principle &amp; Vaccines</a:t>
+            </a:r>
+          </a:p>
+        </p:txBody>
+      </p:sp>
+      <p:sp>
+        <p:nvSpPr>
+          <p:cNvPr id="163" name="Vaccines were initially scarce in the US. Not everyone who wanted one could get one.…"/>
+          <p:cNvSpPr txBox="1"/>
+          <p:nvPr>
+            <p:ph type="body" idx="1"/>
+          </p:nvPr>
+        </p:nvSpPr>
+        <p:spPr>
+          <a:prstGeom prst="rect">
+            <a:avLst/>
+          </a:prstGeom>
+        </p:spPr>
+        <p:txBody>
+          <a:bodyPr/>
+          <a:lstStyle/>
+          <a:p>
+            <a:pPr marL="603504" indent="-603504" defTabSz="817244">
+              <a:spcBef>
+                <a:spcPts val="5800"/>
+              </a:spcBef>
+              <a:defRPr sz="5148"/>
+            </a:pPr>
+            <a:r>
+              <a:t>Vaccines were initially scarce in the US. Not everyone who wanted one could get one.</a:t>
+            </a:r>
+          </a:p>
+          <a:p>
+            <a:pPr marL="603504" indent="-603504" defTabSz="817244">
+              <a:spcBef>
+                <a:spcPts val="5800"/>
+              </a:spcBef>
+              <a:defRPr sz="5148"/>
+            </a:pPr>
+            <a:r>
+              <a:t>Vaccines are still scarce in many countries. Fewer than 4% of people in Nigeria and Ethiopia, for instance, are fully vaccinated. When we don’t have vaccines for all, we must distribute them unequally. </a:t>
+            </a:r>
+          </a:p>
+          <a:p>
+            <a:pPr marL="603504" indent="-603504" defTabSz="817244">
+              <a:spcBef>
+                <a:spcPts val="5800"/>
+              </a:spcBef>
+              <a:defRPr sz="5148"/>
+            </a:pPr>
+            <a:r>
+              <a:t>The Difference Principle dictates that any inequalities in vaccine allocations must be to the maximum benefit of the least advantaged. </a:t>
+            </a:r>
+          </a:p>
+        </p:txBody>
+      </p:sp>
+    </p:spTree>
+  </p:cSld>
+  <p:clrMapOvr>
+    <a:masterClrMapping/>
+  </p:clrMapOvr>
+  <p:transition xmlns:p14="http://schemas.microsoft.com/office/powerpoint/2010/main" spd="med" advClick="1"/>
 </p:sld>
 </file>
 
@@ -3489,6 +4689,171 @@
           </a:ln>
         </p:spPr>
       </p:pic>
+    </p:spTree>
+  </p:cSld>
+  <p:clrMapOvr>
+    <a:masterClrMapping/>
+  </p:clrMapOvr>
+  <p:transition xmlns:p14="http://schemas.microsoft.com/office/powerpoint/2010/main" spd="med" advClick="1"/>
+</p:sld>
+</file>
+
+<file path=ppt/slides/slide20.xml><?xml version="1.0" encoding="utf-8"?>
+<p:sld xmlns:a="http://schemas.openxmlformats.org/drawingml/2006/main" xmlns:r="http://schemas.openxmlformats.org/officeDocument/2006/relationships" xmlns:p="http://schemas.openxmlformats.org/presentationml/2006/main" xmlns:m="http://schemas.openxmlformats.org/officeDocument/2006/math" xmlns:a14="http://schemas.microsoft.com/office/drawing/2010/main" showMasterSp="1" showMasterPhAnim="1">
+  <p:cSld>
+    <p:spTree>
+      <p:nvGrpSpPr>
+        <p:cNvPr id="1" name=""/>
+        <p:cNvGrpSpPr/>
+        <p:nvPr/>
+      </p:nvGrpSpPr>
+      <p:grpSpPr>
+        <a:xfrm>
+          <a:off x="0" y="0"/>
+          <a:ext cx="0" cy="0"/>
+          <a:chOff x="0" y="0"/>
+          <a:chExt cx="0" cy="0"/>
+        </a:xfrm>
+      </p:grpSpPr>
+      <p:sp>
+        <p:nvSpPr>
+          <p:cNvPr id="165" name="The Wilt Chamberlain Objection"/>
+          <p:cNvSpPr txBox="1"/>
+          <p:nvPr>
+            <p:ph type="title"/>
+          </p:nvPr>
+        </p:nvSpPr>
+        <p:spPr>
+          <a:prstGeom prst="rect">
+            <a:avLst/>
+          </a:prstGeom>
+        </p:spPr>
+        <p:txBody>
+          <a:bodyPr/>
+          <a:lstStyle/>
+          <a:p>
+            <a:pPr/>
+            <a:r>
+              <a:t>The Wilt Chamberlain Objection</a:t>
+            </a:r>
+          </a:p>
+        </p:txBody>
+      </p:sp>
+      <p:pic>
+        <p:nvPicPr>
+          <p:cNvPr id="166" name="b0946a58b6620cd792657a1ea3543533.jpeg" descr="b0946a58b6620cd792657a1ea3543533.jpeg"/>
+          <p:cNvPicPr>
+            <a:picLocks noChangeAspect="1"/>
+          </p:cNvPicPr>
+          <p:nvPr/>
+        </p:nvPicPr>
+        <p:blipFill>
+          <a:blip r:embed="rId2">
+            <a:extLst/>
+          </a:blip>
+          <a:stretch>
+            <a:fillRect/>
+          </a:stretch>
+        </p:blipFill>
+        <p:spPr>
+          <a:xfrm>
+            <a:off x="4501091" y="2932993"/>
+            <a:ext cx="15394518" cy="10263014"/>
+          </a:xfrm>
+          <a:prstGeom prst="rect">
+            <a:avLst/>
+          </a:prstGeom>
+          <a:ln w="12700">
+            <a:miter lim="400000"/>
+          </a:ln>
+        </p:spPr>
+      </p:pic>
+    </p:spTree>
+  </p:cSld>
+  <p:clrMapOvr>
+    <a:masterClrMapping/>
+  </p:clrMapOvr>
+  <p:transition xmlns:p14="http://schemas.microsoft.com/office/powerpoint/2010/main" spd="med" advClick="1"/>
+</p:sld>
+</file>
+
+<file path=ppt/slides/slide21.xml><?xml version="1.0" encoding="utf-8"?>
+<p:sld xmlns:a="http://schemas.openxmlformats.org/drawingml/2006/main" xmlns:r="http://schemas.openxmlformats.org/officeDocument/2006/relationships" xmlns:p="http://schemas.openxmlformats.org/presentationml/2006/main" xmlns:m="http://schemas.openxmlformats.org/officeDocument/2006/math" xmlns:a14="http://schemas.microsoft.com/office/drawing/2010/main" showMasterSp="1" showMasterPhAnim="1">
+  <p:cSld>
+    <p:spTree>
+      <p:nvGrpSpPr>
+        <p:cNvPr id="1" name=""/>
+        <p:cNvGrpSpPr/>
+        <p:nvPr/>
+      </p:nvGrpSpPr>
+      <p:grpSpPr>
+        <a:xfrm>
+          <a:off x="0" y="0"/>
+          <a:ext cx="0" cy="0"/>
+          <a:chOff x="0" y="0"/>
+          <a:chExt cx="0" cy="0"/>
+        </a:xfrm>
+      </p:grpSpPr>
+      <p:sp>
+        <p:nvSpPr>
+          <p:cNvPr id="168" name="Libertarianism (Robert Nozick)"/>
+          <p:cNvSpPr txBox="1"/>
+          <p:nvPr>
+            <p:ph type="title"/>
+          </p:nvPr>
+        </p:nvSpPr>
+        <p:spPr>
+          <a:prstGeom prst="rect">
+            <a:avLst/>
+          </a:prstGeom>
+        </p:spPr>
+        <p:txBody>
+          <a:bodyPr/>
+          <a:lstStyle/>
+          <a:p>
+            <a:pPr/>
+            <a:r>
+              <a:t>Libertarianism (Robert Nozick)</a:t>
+            </a:r>
+          </a:p>
+        </p:txBody>
+      </p:sp>
+      <p:sp>
+        <p:nvSpPr>
+          <p:cNvPr id="169" name="First, anyone who justly acquires any holding is rightly entitled to keep and use it.…"/>
+          <p:cNvSpPr txBox="1"/>
+          <p:nvPr>
+            <p:ph type="body" idx="1"/>
+          </p:nvPr>
+        </p:nvSpPr>
+        <p:spPr>
+          <a:prstGeom prst="rect">
+            <a:avLst/>
+          </a:prstGeom>
+        </p:spPr>
+        <p:txBody>
+          <a:bodyPr/>
+          <a:lstStyle/>
+          <a:p>
+            <a:pPr/>
+            <a:r>
+              <a:t>First, anyone who justly acquires any holding is rightly entitled to keep and use it.</a:t>
+            </a:r>
+          </a:p>
+          <a:p>
+            <a:pPr/>
+            <a:r>
+              <a:t>Second, anyone who acquires any holding by means of a just transfer of property is rightly entitled to keep and use it.</a:t>
+            </a:r>
+          </a:p>
+          <a:p>
+            <a:pPr/>
+            <a:r>
+              <a:t>Third, justice can require the rectification of unjust past acquisitions.</a:t>
+            </a:r>
+          </a:p>
+        </p:txBody>
+      </p:sp>
     </p:spTree>
   </p:cSld>
   <p:clrMapOvr>
